--- a/Batch-12 Online/Self Pace/Curriculum/Lectures/Section 6/AWS Account SignUp.pptx
+++ b/Batch-12 Online/Self Pace/Curriculum/Lectures/Section 6/AWS Account SignUp.pptx
@@ -230,7 +230,7 @@
             <a:fld id="{AD75EC4F-A4FF-4EC3-91D6-11BA9A50712C}" type="datetimeFigureOut">
               <a:rPr lang="en-US" smtClean="0"/>
               <a:pPr/>
-              <a:t>9/13/2023</a:t>
+              <a:t>2/14/2024</a:t>
             </a:fld>
             <a:endParaRPr lang="en-US"/>
           </a:p>
@@ -749,7 +749,7 @@
             <a:fld id="{97F9FE86-6232-4B82-85E4-3ABB51E5B8DE}" type="datetimeFigureOut">
               <a:rPr lang="en-US" smtClean="0"/>
               <a:pPr/>
-              <a:t>9/13/2023</a:t>
+              <a:t>2/14/2024</a:t>
             </a:fld>
             <a:endParaRPr lang="en-US"/>
           </a:p>
@@ -915,7 +915,7 @@
             <a:fld id="{97F9FE86-6232-4B82-85E4-3ABB51E5B8DE}" type="datetimeFigureOut">
               <a:rPr lang="en-US" smtClean="0"/>
               <a:pPr/>
-              <a:t>9/13/2023</a:t>
+              <a:t>2/14/2024</a:t>
             </a:fld>
             <a:endParaRPr lang="en-US"/>
           </a:p>
@@ -1091,7 +1091,7 @@
             <a:fld id="{97F9FE86-6232-4B82-85E4-3ABB51E5B8DE}" type="datetimeFigureOut">
               <a:rPr lang="en-US" smtClean="0"/>
               <a:pPr/>
-              <a:t>9/13/2023</a:t>
+              <a:t>2/14/2024</a:t>
             </a:fld>
             <a:endParaRPr lang="en-US"/>
           </a:p>
@@ -1257,7 +1257,7 @@
             <a:fld id="{97F9FE86-6232-4B82-85E4-3ABB51E5B8DE}" type="datetimeFigureOut">
               <a:rPr lang="en-US" smtClean="0"/>
               <a:pPr/>
-              <a:t>9/13/2023</a:t>
+              <a:t>2/14/2024</a:t>
             </a:fld>
             <a:endParaRPr lang="en-US"/>
           </a:p>
@@ -1500,7 +1500,7 @@
             <a:fld id="{97F9FE86-6232-4B82-85E4-3ABB51E5B8DE}" type="datetimeFigureOut">
               <a:rPr lang="en-US" smtClean="0"/>
               <a:pPr/>
-              <a:t>9/13/2023</a:t>
+              <a:t>2/14/2024</a:t>
             </a:fld>
             <a:endParaRPr lang="en-US"/>
           </a:p>
@@ -1765,7 +1765,7 @@
             <a:fld id="{97F9FE86-6232-4B82-85E4-3ABB51E5B8DE}" type="datetimeFigureOut">
               <a:rPr lang="en-US" smtClean="0"/>
               <a:pPr/>
-              <a:t>9/13/2023</a:t>
+              <a:t>2/14/2024</a:t>
             </a:fld>
             <a:endParaRPr lang="en-US"/>
           </a:p>
@@ -2144,7 +2144,7 @@
             <a:fld id="{97F9FE86-6232-4B82-85E4-3ABB51E5B8DE}" type="datetimeFigureOut">
               <a:rPr lang="en-US" smtClean="0"/>
               <a:pPr/>
-              <a:t>9/13/2023</a:t>
+              <a:t>2/14/2024</a:t>
             </a:fld>
             <a:endParaRPr lang="en-US"/>
           </a:p>
@@ -2295,7 +2295,7 @@
             <a:fld id="{97F9FE86-6232-4B82-85E4-3ABB51E5B8DE}" type="datetimeFigureOut">
               <a:rPr lang="en-US" smtClean="0"/>
               <a:pPr/>
-              <a:t>9/13/2023</a:t>
+              <a:t>2/14/2024</a:t>
             </a:fld>
             <a:endParaRPr lang="en-US"/>
           </a:p>
@@ -2387,7 +2387,7 @@
             <a:fld id="{97F9FE86-6232-4B82-85E4-3ABB51E5B8DE}" type="datetimeFigureOut">
               <a:rPr lang="en-US" smtClean="0"/>
               <a:pPr/>
-              <a:t>9/13/2023</a:t>
+              <a:t>2/14/2024</a:t>
             </a:fld>
             <a:endParaRPr lang="en-US"/>
           </a:p>
@@ -2649,7 +2649,7 @@
             <a:fld id="{97F9FE86-6232-4B82-85E4-3ABB51E5B8DE}" type="datetimeFigureOut">
               <a:rPr lang="en-US" smtClean="0"/>
               <a:pPr/>
-              <a:t>9/13/2023</a:t>
+              <a:t>2/14/2024</a:t>
             </a:fld>
             <a:endParaRPr lang="en-US"/>
           </a:p>
@@ -2938,7 +2938,7 @@
             <a:fld id="{97F9FE86-6232-4B82-85E4-3ABB51E5B8DE}" type="datetimeFigureOut">
               <a:rPr lang="en-US" smtClean="0"/>
               <a:pPr/>
-              <a:t>9/13/2023</a:t>
+              <a:t>2/14/2024</a:t>
             </a:fld>
             <a:endParaRPr lang="en-US"/>
           </a:p>
@@ -3709,7 +3709,7 @@
             <a:fld id="{97F9FE86-6232-4B82-85E4-3ABB51E5B8DE}" type="datetimeFigureOut">
               <a:rPr lang="en-US" smtClean="0"/>
               <a:pPr/>
-              <a:t>9/13/2023</a:t>
+              <a:t>2/14/2024</a:t>
             </a:fld>
             <a:endParaRPr lang="en-US"/>
           </a:p>
@@ -4474,7 +4474,7 @@
         <p:spPr>
           <a:xfrm>
             <a:off x="762000" y="5943600"/>
-            <a:ext cx="7391400" cy="369332"/>
+            <a:ext cx="7391400" cy="646331"/>
           </a:xfrm>
           <a:prstGeom prst="rect">
             <a:avLst/>
@@ -4488,7 +4488,7 @@
           <a:p>
             <a:r>
               <a:rPr lang="en-US" dirty="0"/>
-              <a:t>Once signed in you will get in to AWS console look like above. </a:t>
+              <a:t>Once signed in, you have successfully created and logged into your AWS account.</a:t>
             </a:r>
           </a:p>
         </p:txBody>
@@ -5449,7 +5449,7 @@
         <p:spPr bwMode="auto">
           <a:xfrm>
             <a:off x="1587500" y="914400"/>
-            <a:ext cx="5969000" cy="4572000"/>
+            <a:ext cx="4584700" cy="3511685"/>
           </a:xfrm>
           <a:prstGeom prst="rect">
             <a:avLst/>
@@ -5471,8 +5471,8 @@
         </p:nvSpPr>
         <p:spPr>
           <a:xfrm>
-            <a:off x="1143000" y="5638800"/>
-            <a:ext cx="7315200" cy="923330"/>
+            <a:off x="762000" y="4572000"/>
+            <a:ext cx="7315200" cy="2031325"/>
           </a:xfrm>
           <a:prstGeom prst="rect">
             <a:avLst/>
@@ -5486,7 +5486,75 @@
           <a:p>
             <a:r>
               <a:rPr lang="en-US" dirty="0"/>
-              <a:t>Next, provide you phone information for phone verification, note that you will get IVR call on the specified number make a note of that. Then click on call Me Now when you are ready. </a:t>
+              <a:t>Enter  your </a:t>
+            </a:r>
+            <a:r>
+              <a:rPr lang="en-US" b="1" dirty="0"/>
+              <a:t>cell phone numbe</a:t>
+            </a:r>
+            <a:r>
+              <a:rPr lang="en-US" dirty="0"/>
+              <a:t>r for cell phone verification.</a:t>
+            </a:r>
+          </a:p>
+          <a:p>
+            <a:r>
+              <a:rPr lang="en-US" dirty="0"/>
+              <a:t>Enter </a:t>
+            </a:r>
+            <a:r>
+              <a:rPr lang="en-US" b="1" dirty="0"/>
+              <a:t>Security Check</a:t>
+            </a:r>
+            <a:r>
+              <a:rPr lang="en-US" dirty="0"/>
+              <a:t> code</a:t>
+            </a:r>
+          </a:p>
+          <a:p>
+            <a:r>
+              <a:rPr lang="en-US" dirty="0"/>
+              <a:t> </a:t>
+            </a:r>
+          </a:p>
+          <a:p>
+            <a:r>
+              <a:rPr lang="en-US" b="1" i="1" dirty="0"/>
+              <a:t>Note ~</a:t>
+            </a:r>
+            <a:r>
+              <a:rPr lang="en-US" dirty="0"/>
+              <a:t> Select </a:t>
+            </a:r>
+            <a:r>
+              <a:rPr lang="en-US" b="1" dirty="0"/>
+              <a:t>Text message (SMS)</a:t>
+            </a:r>
+            <a:r>
+              <a:rPr lang="en-US" dirty="0"/>
+              <a:t> if you want to receive a verification text. Otherwise, select </a:t>
+            </a:r>
+            <a:r>
+              <a:rPr lang="en-US" b="1" dirty="0"/>
+              <a:t>Voice call</a:t>
+            </a:r>
+            <a:r>
+              <a:rPr lang="en-US" dirty="0"/>
+              <a:t> and you will receive a phone call on the provided phone number.</a:t>
+            </a:r>
+          </a:p>
+          <a:p>
+            <a:r>
+              <a:rPr lang="en-US" dirty="0"/>
+              <a:t>Click on</a:t>
+            </a:r>
+            <a:r>
+              <a:rPr lang="en-US" b="1" dirty="0"/>
+              <a:t> call Me Now</a:t>
+            </a:r>
+            <a:r>
+              <a:rPr lang="en-US" dirty="0"/>
+              <a:t> when you are ready.</a:t>
             </a:r>
           </a:p>
         </p:txBody>
@@ -5747,8 +5815,8 @@
         </p:nvSpPr>
         <p:spPr>
           <a:xfrm>
-            <a:off x="269508" y="2362200"/>
-            <a:ext cx="4759692" cy="1477328"/>
+            <a:off x="152400" y="2413337"/>
+            <a:ext cx="4759692" cy="2031325"/>
           </a:xfrm>
           <a:prstGeom prst="rect">
             <a:avLst/>
@@ -5766,24 +5834,29 @@
             </a:pPr>
             <a:r>
               <a:rPr lang="en-US" dirty="0"/>
-              <a:t>Provide your email id which you have used to sign up to AWS, then click on Next. </a:t>
-            </a:r>
+              <a:t> Enter your email address which you used to sign up at the beginning,</a:t>
+            </a:r>
+          </a:p>
+          <a:p>
+            <a:endParaRPr lang="en-US" dirty="0"/>
+          </a:p>
+          <a:p>
+            <a:r>
+              <a:rPr lang="en-US" dirty="0"/>
+              <a:t>Click on Next.</a:t>
+            </a:r>
+          </a:p>
+          <a:p>
+            <a:endParaRPr lang="en-US" dirty="0"/>
           </a:p>
           <a:p>
             <a:pPr marL="285750" indent="-285750">
               <a:buFont typeface="Arial" panose="020B0604020202020204" pitchFamily="34" charset="0"/>
               <a:buChar char="•"/>
             </a:pPr>
-            <a:endParaRPr lang="en-US" dirty="0"/>
-          </a:p>
-          <a:p>
-            <a:pPr marL="285750" indent="-285750">
-              <a:buFont typeface="Arial" panose="020B0604020202020204" pitchFamily="34" charset="0"/>
-              <a:buChar char="•"/>
-            </a:pPr>
             <a:r>
               <a:rPr lang="en-US" dirty="0"/>
-              <a:t>Next provide your password and click on sign in to sing into AWS console. </a:t>
+              <a:t> Enter your password and click on sign in to sign into the AWS console.</a:t>
             </a:r>
           </a:p>
         </p:txBody>
